--- a/markdown/image/ソフトウェアとハードウェア.pptx
+++ b/markdown/image/ソフトウェアとハードウェア.pptx
@@ -243,7 +243,7 @@
           <a:p>
             <a:fld id="{448B8623-5EF8-4897-A267-54DEA2AA738D}" type="datetimeFigureOut">
               <a:rPr kumimoji="1" lang="ja-JP" altLang="en-US" smtClean="0"/>
-              <a:t>2019/9/24</a:t>
+              <a:t>2019/10/8</a:t>
             </a:fld>
             <a:endParaRPr kumimoji="1" lang="ja-JP" altLang="en-US"/>
           </a:p>
@@ -413,7 +413,7 @@
           <a:p>
             <a:fld id="{448B8623-5EF8-4897-A267-54DEA2AA738D}" type="datetimeFigureOut">
               <a:rPr kumimoji="1" lang="ja-JP" altLang="en-US" smtClean="0"/>
-              <a:t>2019/9/24</a:t>
+              <a:t>2019/10/8</a:t>
             </a:fld>
             <a:endParaRPr kumimoji="1" lang="ja-JP" altLang="en-US"/>
           </a:p>
@@ -593,7 +593,7 @@
           <a:p>
             <a:fld id="{448B8623-5EF8-4897-A267-54DEA2AA738D}" type="datetimeFigureOut">
               <a:rPr kumimoji="1" lang="ja-JP" altLang="en-US" smtClean="0"/>
-              <a:t>2019/9/24</a:t>
+              <a:t>2019/10/8</a:t>
             </a:fld>
             <a:endParaRPr kumimoji="1" lang="ja-JP" altLang="en-US"/>
           </a:p>
@@ -763,7 +763,7 @@
           <a:p>
             <a:fld id="{448B8623-5EF8-4897-A267-54DEA2AA738D}" type="datetimeFigureOut">
               <a:rPr kumimoji="1" lang="ja-JP" altLang="en-US" smtClean="0"/>
-              <a:t>2019/9/24</a:t>
+              <a:t>2019/10/8</a:t>
             </a:fld>
             <a:endParaRPr kumimoji="1" lang="ja-JP" altLang="en-US"/>
           </a:p>
@@ -1009,7 +1009,7 @@
           <a:p>
             <a:fld id="{448B8623-5EF8-4897-A267-54DEA2AA738D}" type="datetimeFigureOut">
               <a:rPr kumimoji="1" lang="ja-JP" altLang="en-US" smtClean="0"/>
-              <a:t>2019/9/24</a:t>
+              <a:t>2019/10/8</a:t>
             </a:fld>
             <a:endParaRPr kumimoji="1" lang="ja-JP" altLang="en-US"/>
           </a:p>
@@ -1241,7 +1241,7 @@
           <a:p>
             <a:fld id="{448B8623-5EF8-4897-A267-54DEA2AA738D}" type="datetimeFigureOut">
               <a:rPr kumimoji="1" lang="ja-JP" altLang="en-US" smtClean="0"/>
-              <a:t>2019/9/24</a:t>
+              <a:t>2019/10/8</a:t>
             </a:fld>
             <a:endParaRPr kumimoji="1" lang="ja-JP" altLang="en-US"/>
           </a:p>
@@ -1608,7 +1608,7 @@
           <a:p>
             <a:fld id="{448B8623-5EF8-4897-A267-54DEA2AA738D}" type="datetimeFigureOut">
               <a:rPr kumimoji="1" lang="ja-JP" altLang="en-US" smtClean="0"/>
-              <a:t>2019/9/24</a:t>
+              <a:t>2019/10/8</a:t>
             </a:fld>
             <a:endParaRPr kumimoji="1" lang="ja-JP" altLang="en-US"/>
           </a:p>
@@ -1726,7 +1726,7 @@
           <a:p>
             <a:fld id="{448B8623-5EF8-4897-A267-54DEA2AA738D}" type="datetimeFigureOut">
               <a:rPr kumimoji="1" lang="ja-JP" altLang="en-US" smtClean="0"/>
-              <a:t>2019/9/24</a:t>
+              <a:t>2019/10/8</a:t>
             </a:fld>
             <a:endParaRPr kumimoji="1" lang="ja-JP" altLang="en-US"/>
           </a:p>
@@ -1821,7 +1821,7 @@
           <a:p>
             <a:fld id="{448B8623-5EF8-4897-A267-54DEA2AA738D}" type="datetimeFigureOut">
               <a:rPr kumimoji="1" lang="ja-JP" altLang="en-US" smtClean="0"/>
-              <a:t>2019/9/24</a:t>
+              <a:t>2019/10/8</a:t>
             </a:fld>
             <a:endParaRPr kumimoji="1" lang="ja-JP" altLang="en-US"/>
           </a:p>
@@ -2098,7 +2098,7 @@
           <a:p>
             <a:fld id="{448B8623-5EF8-4897-A267-54DEA2AA738D}" type="datetimeFigureOut">
               <a:rPr kumimoji="1" lang="ja-JP" altLang="en-US" smtClean="0"/>
-              <a:t>2019/9/24</a:t>
+              <a:t>2019/10/8</a:t>
             </a:fld>
             <a:endParaRPr kumimoji="1" lang="ja-JP" altLang="en-US"/>
           </a:p>
@@ -2351,7 +2351,7 @@
           <a:p>
             <a:fld id="{448B8623-5EF8-4897-A267-54DEA2AA738D}" type="datetimeFigureOut">
               <a:rPr kumimoji="1" lang="ja-JP" altLang="en-US" smtClean="0"/>
-              <a:t>2019/9/24</a:t>
+              <a:t>2019/10/8</a:t>
             </a:fld>
             <a:endParaRPr kumimoji="1" lang="ja-JP" altLang="en-US"/>
           </a:p>
@@ -2564,7 +2564,7 @@
           <a:p>
             <a:fld id="{448B8623-5EF8-4897-A267-54DEA2AA738D}" type="datetimeFigureOut">
               <a:rPr kumimoji="1" lang="ja-JP" altLang="en-US" smtClean="0"/>
-              <a:t>2019/9/24</a:t>
+              <a:t>2019/10/8</a:t>
             </a:fld>
             <a:endParaRPr kumimoji="1" lang="ja-JP" altLang="en-US"/>
           </a:p>
@@ -3009,7 +3009,7 @@
       </p:sp>
       <p:pic>
         <p:nvPicPr>
-          <p:cNvPr id="7" name="Picture 6"/>
+          <p:cNvPr id="6" name="Picture 5"/>
           <p:cNvPicPr>
             <a:picLocks noChangeAspect="1" noChangeArrowheads="1"/>
           </p:cNvPicPr>
@@ -3030,7 +3030,7 @@
         </p:blipFill>
         <p:spPr bwMode="auto">
           <a:xfrm>
-            <a:off x="2384563" y="611188"/>
+            <a:off x="1260021" y="351064"/>
             <a:ext cx="3924300" cy="5981700"/>
           </a:xfrm>
           <a:prstGeom prst="rect">
@@ -3050,7 +3050,7 @@
       </p:pic>
       <p:pic>
         <p:nvPicPr>
-          <p:cNvPr id="8" name="Picture 7"/>
+          <p:cNvPr id="9" name="Picture 8"/>
           <p:cNvPicPr>
             <a:picLocks noChangeAspect="1" noChangeArrowheads="1"/>
           </p:cNvPicPr>
@@ -3071,7 +3071,7 @@
         </p:blipFill>
         <p:spPr bwMode="auto">
           <a:xfrm>
-            <a:off x="3786187" y="557212"/>
+            <a:off x="6096000" y="832984"/>
             <a:ext cx="4619625" cy="5743575"/>
           </a:xfrm>
           <a:prstGeom prst="rect">
